--- a/Presentations/MariaDB/MariaDB.pptx
+++ b/Presentations/MariaDB/MariaDB.pptx
@@ -21,9 +21,8 @@
     <p:sldId id="378" r:id="rId15"/>
     <p:sldId id="379" r:id="rId16"/>
     <p:sldId id="380" r:id="rId17"/>
-    <p:sldId id="381" r:id="rId18"/>
-    <p:sldId id="300" r:id="rId19"/>
-    <p:sldId id="259" r:id="rId20"/>
+    <p:sldId id="300" r:id="rId18"/>
+    <p:sldId id="259" r:id="rId19"/>
   </p:sldIdLst>
   <p:sldSz cx="9144000" cy="6858000" type="screen4x3"/>
   <p:notesSz cx="6858000" cy="9144000"/>
@@ -362,7 +361,7 @@
               <a:pPr>
                 <a:defRPr/>
               </a:pPr>
-              <a:t>03/06/2016</a:t>
+              <a:t>07/06/2016</a:t>
             </a:fld>
             <a:endParaRPr lang="fr-CA"/>
           </a:p>
@@ -554,7 +553,7 @@
               <a:pPr>
                 <a:defRPr/>
               </a:pPr>
-              <a:t>03/06/2016</a:t>
+              <a:t>07/06/2016</a:t>
             </a:fld>
             <a:endParaRPr lang="fr-CA"/>
           </a:p>
@@ -756,7 +755,7 @@
               <a:pPr>
                 <a:defRPr/>
               </a:pPr>
-              <a:t>03/06/2016</a:t>
+              <a:t>07/06/2016</a:t>
             </a:fld>
             <a:endParaRPr lang="fr-CA"/>
           </a:p>
@@ -948,7 +947,7 @@
               <a:pPr>
                 <a:defRPr/>
               </a:pPr>
-              <a:t>03/06/2016</a:t>
+              <a:t>07/06/2016</a:t>
             </a:fld>
             <a:endParaRPr lang="fr-CA"/>
           </a:p>
@@ -1216,7 +1215,7 @@
               <a:pPr>
                 <a:defRPr/>
               </a:pPr>
-              <a:t>03/06/2016</a:t>
+              <a:t>07/06/2016</a:t>
             </a:fld>
             <a:endParaRPr lang="fr-CA"/>
           </a:p>
@@ -1526,7 +1525,7 @@
               <a:pPr>
                 <a:defRPr/>
               </a:pPr>
-              <a:t>03/06/2016</a:t>
+              <a:t>07/06/2016</a:t>
             </a:fld>
             <a:endParaRPr lang="fr-CA"/>
           </a:p>
@@ -1970,7 +1969,7 @@
               <a:pPr>
                 <a:defRPr/>
               </a:pPr>
-              <a:t>03/06/2016</a:t>
+              <a:t>07/06/2016</a:t>
             </a:fld>
             <a:endParaRPr lang="fr-CA"/>
           </a:p>
@@ -2110,7 +2109,7 @@
               <a:pPr>
                 <a:defRPr/>
               </a:pPr>
-              <a:t>03/06/2016</a:t>
+              <a:t>07/06/2016</a:t>
             </a:fld>
             <a:endParaRPr lang="fr-CA"/>
           </a:p>
@@ -2227,7 +2226,7 @@
               <a:pPr>
                 <a:defRPr/>
               </a:pPr>
-              <a:t>03/06/2016</a:t>
+              <a:t>07/06/2016</a:t>
             </a:fld>
             <a:endParaRPr lang="fr-CA"/>
           </a:p>
@@ -2526,7 +2525,7 @@
               <a:pPr>
                 <a:defRPr/>
               </a:pPr>
-              <a:t>03/06/2016</a:t>
+              <a:t>07/06/2016</a:t>
             </a:fld>
             <a:endParaRPr lang="fr-CA"/>
           </a:p>
@@ -2808,7 +2807,7 @@
               <a:pPr>
                 <a:defRPr/>
               </a:pPr>
-              <a:t>03/06/2016</a:t>
+              <a:t>07/06/2016</a:t>
             </a:fld>
             <a:endParaRPr lang="fr-CA"/>
           </a:p>
@@ -3072,7 +3071,7 @@
               <a:pPr>
                 <a:defRPr/>
               </a:pPr>
-              <a:t>03/06/2016</a:t>
+              <a:t>07/06/2016</a:t>
             </a:fld>
             <a:endParaRPr lang="fr-CA"/>
           </a:p>
@@ -5198,18 +5197,24 @@
             <p:ph type="title"/>
           </p:nvPr>
         </p:nvSpPr>
-        <p:spPr/>
+        <p:spPr>
+          <a:xfrm>
+            <a:off x="228600" y="274638"/>
+            <a:ext cx="8686800" cy="1143000"/>
+          </a:xfrm>
+        </p:spPr>
         <p:txBody>
           <a:bodyPr/>
           <a:lstStyle/>
           <a:p>
+            <a:pPr lvl="1"/>
             <a:r>
               <a:rPr lang="en-US" dirty="0" smtClean="0">
                 <a:solidFill>
                   <a:schemeClr val="bg1"/>
                 </a:solidFill>
               </a:rPr>
-              <a:t>Storage Engines (cont.)</a:t>
+              <a:t>Conclusions</a:t>
             </a:r>
             <a:endParaRPr lang="fr-CA" dirty="0" smtClean="0">
               <a:solidFill>
@@ -5231,8 +5236,8 @@
         </p:nvSpPr>
         <p:spPr>
           <a:xfrm>
-            <a:off x="304800" y="1905000"/>
-            <a:ext cx="8534400" cy="3962400"/>
+            <a:off x="76200" y="1981200"/>
+            <a:ext cx="8686800" cy="4648200"/>
           </a:xfrm>
         </p:spPr>
         <p:txBody>
@@ -5245,9 +5250,61 @@
                   <a:srgbClr val="3C5790"/>
                 </a:solidFill>
               </a:rPr>
-              <a:t>dlt</a:t>
-            </a:r>
-            <a:endParaRPr lang="en-US" sz="1400" dirty="0">
+              <a:t>MariaDB</a:t>
+            </a:r>
+            <a:r>
+              <a:rPr lang="en-US" sz="1400" dirty="0" smtClean="0">
+                <a:solidFill>
+                  <a:srgbClr val="3C5790"/>
+                </a:solidFill>
+              </a:rPr>
+              <a:t> includes many features/plugins.</a:t>
+            </a:r>
+          </a:p>
+          <a:p>
+            <a:r>
+              <a:rPr lang="en-US" sz="1400" dirty="0" err="1" smtClean="0">
+                <a:solidFill>
+                  <a:srgbClr val="3C5790"/>
+                </a:solidFill>
+              </a:rPr>
+              <a:t>MariaDB</a:t>
+            </a:r>
+            <a:r>
+              <a:rPr lang="en-US" sz="1400" dirty="0" smtClean="0">
+                <a:solidFill>
+                  <a:srgbClr val="3C5790"/>
+                </a:solidFill>
+              </a:rPr>
+              <a:t> is easy to use.</a:t>
+            </a:r>
+          </a:p>
+          <a:p>
+            <a:r>
+              <a:rPr lang="en-US" sz="1400" dirty="0" err="1" smtClean="0">
+                <a:solidFill>
+                  <a:srgbClr val="3C5790"/>
+                </a:solidFill>
+              </a:rPr>
+              <a:t>MariaDB</a:t>
+            </a:r>
+            <a:r>
+              <a:rPr lang="en-US" sz="1400" dirty="0" smtClean="0">
+                <a:solidFill>
+                  <a:srgbClr val="3C5790"/>
+                </a:solidFill>
+              </a:rPr>
+              <a:t> </a:t>
+            </a:r>
+            <a:r>
+              <a:rPr lang="en-US" sz="1400" smtClean="0">
+                <a:solidFill>
+                  <a:srgbClr val="3C5790"/>
+                </a:solidFill>
+              </a:rPr>
+              <a:t>is documented.</a:t>
+            </a:r>
+            <a:endParaRPr lang="en-US" sz="1400" dirty="0" smtClean="0">
               <a:solidFill>
                 <a:srgbClr val="3C5790"/>
               </a:solidFill>
@@ -5256,11 +5313,6 @@
         </p:txBody>
       </p:sp>
     </p:spTree>
-    <p:extLst>
-      <p:ext uri="{BB962C8B-B14F-4D97-AF65-F5344CB8AC3E}">
-        <p14:creationId xmlns:p14="http://schemas.microsoft.com/office/powerpoint/2010/main" val="2947632640"/>
-      </p:ext>
-    </p:extLst>
   </p:cSld>
   <p:clrMapOvr>
     <a:masterClrMapping/>
@@ -5276,118 +5328,6 @@
 </file>
 
 <file path=ppt/slides/slide18.xml><?xml version="1.0" encoding="utf-8"?>
-<p:sld xmlns:a="http://schemas.openxmlformats.org/drawingml/2006/main" xmlns:r="http://schemas.openxmlformats.org/officeDocument/2006/relationships" xmlns:p="http://schemas.openxmlformats.org/presentationml/2006/main">
-  <p:cSld>
-    <p:bg>
-      <p:bgPr>
-        <a:blipFill dpi="0" rotWithShape="0">
-          <a:blip r:embed="rId2" cstate="print"/>
-          <a:srcRect/>
-          <a:stretch>
-            <a:fillRect/>
-          </a:stretch>
-        </a:blipFill>
-        <a:effectLst/>
-      </p:bgPr>
-    </p:bg>
-    <p:spTree>
-      <p:nvGrpSpPr>
-        <p:cNvPr id="1" name=""/>
-        <p:cNvGrpSpPr/>
-        <p:nvPr/>
-      </p:nvGrpSpPr>
-      <p:grpSpPr>
-        <a:xfrm>
-          <a:off x="0" y="0"/>
-          <a:ext cx="0" cy="0"/>
-          <a:chOff x="0" y="0"/>
-          <a:chExt cx="0" cy="0"/>
-        </a:xfrm>
-      </p:grpSpPr>
-      <p:sp>
-        <p:nvSpPr>
-          <p:cNvPr id="4098" name="Titre 3"/>
-          <p:cNvSpPr>
-            <a:spLocks noGrp="1"/>
-          </p:cNvSpPr>
-          <p:nvPr>
-            <p:ph type="title"/>
-          </p:nvPr>
-        </p:nvSpPr>
-        <p:spPr>
-          <a:xfrm>
-            <a:off x="228600" y="274638"/>
-            <a:ext cx="8686800" cy="1143000"/>
-          </a:xfrm>
-        </p:spPr>
-        <p:txBody>
-          <a:bodyPr/>
-          <a:lstStyle/>
-          <a:p>
-            <a:pPr lvl="1"/>
-            <a:r>
-              <a:rPr lang="en-US" dirty="0" smtClean="0">
-                <a:solidFill>
-                  <a:schemeClr val="bg1"/>
-                </a:solidFill>
-              </a:rPr>
-              <a:t>Conclusions</a:t>
-            </a:r>
-            <a:endParaRPr lang="fr-CA" dirty="0" smtClean="0">
-              <a:solidFill>
-                <a:schemeClr val="bg1"/>
-              </a:solidFill>
-            </a:endParaRPr>
-          </a:p>
-        </p:txBody>
-      </p:sp>
-      <p:sp>
-        <p:nvSpPr>
-          <p:cNvPr id="4099" name="Espace réservé du contenu 4"/>
-          <p:cNvSpPr>
-            <a:spLocks noGrp="1"/>
-          </p:cNvSpPr>
-          <p:nvPr>
-            <p:ph idx="1"/>
-          </p:nvPr>
-        </p:nvSpPr>
-        <p:spPr>
-          <a:xfrm>
-            <a:off x="76200" y="1981200"/>
-            <a:ext cx="8686800" cy="4648200"/>
-          </a:xfrm>
-        </p:spPr>
-        <p:txBody>
-          <a:bodyPr/>
-          <a:lstStyle/>
-          <a:p>
-            <a:r>
-              <a:rPr lang="en-US" sz="1400" dirty="0" smtClean="0">
-                <a:solidFill>
-                  <a:srgbClr val="3C5790"/>
-                </a:solidFill>
-              </a:rPr>
-              <a:t>We can expose</a:t>
-            </a:r>
-          </a:p>
-        </p:txBody>
-      </p:sp>
-    </p:spTree>
-  </p:cSld>
-  <p:clrMapOvr>
-    <a:masterClrMapping/>
-  </p:clrMapOvr>
-  <p:timing>
-    <p:tnLst>
-      <p:par>
-        <p:cTn id="1" dur="indefinite" restart="never" nodeType="tmRoot"/>
-      </p:par>
-    </p:tnLst>
-  </p:timing>
-</p:sld>
-</file>
-
-<file path=ppt/slides/slide19.xml><?xml version="1.0" encoding="utf-8"?>
 <p:sld xmlns:a="http://schemas.openxmlformats.org/drawingml/2006/main" xmlns:r="http://schemas.openxmlformats.org/officeDocument/2006/relationships" xmlns:p="http://schemas.openxmlformats.org/presentationml/2006/main">
   <p:cSld>
     <p:bg>
@@ -6437,11 +6377,6 @@
               </a:rPr>
               <a:t>Optimizer</a:t>
             </a:r>
-            <a:endParaRPr lang="en-US" sz="1400" dirty="0" smtClean="0">
-              <a:solidFill>
-                <a:srgbClr val="3C5790"/>
-              </a:solidFill>
-            </a:endParaRPr>
           </a:p>
         </p:txBody>
       </p:sp>
@@ -6718,15 +6653,7 @@
                   <a:schemeClr val="bg1"/>
                 </a:solidFill>
               </a:rPr>
-              <a:t>SQL </a:t>
-            </a:r>
-            <a:r>
-              <a:rPr lang="ro-RO" dirty="0" smtClean="0">
-                <a:solidFill>
-                  <a:schemeClr val="bg1"/>
-                </a:solidFill>
-              </a:rPr>
-              <a:t>Commands</a:t>
+              <a:t>SQL Commands</a:t>
             </a:r>
             <a:r>
               <a:rPr lang="en-US" dirty="0" smtClean="0">
@@ -6916,15 +6843,7 @@
                   <a:schemeClr val="bg1"/>
                 </a:solidFill>
               </a:rPr>
-              <a:t>SQL </a:t>
-            </a:r>
-            <a:r>
-              <a:rPr lang="ro-RO" dirty="0" smtClean="0">
-                <a:solidFill>
-                  <a:schemeClr val="bg1"/>
-                </a:solidFill>
-              </a:rPr>
-              <a:t>Commands</a:t>
+              <a:t>SQL Commands</a:t>
             </a:r>
             <a:r>
               <a:rPr lang="en-US" dirty="0" smtClean="0">
@@ -7114,15 +7033,7 @@
                   <a:schemeClr val="bg1"/>
                 </a:solidFill>
               </a:rPr>
-              <a:t>SQL </a:t>
-            </a:r>
-            <a:r>
-              <a:rPr lang="ro-RO" dirty="0" smtClean="0">
-                <a:solidFill>
-                  <a:schemeClr val="bg1"/>
-                </a:solidFill>
-              </a:rPr>
-              <a:t>Commands</a:t>
+              <a:t>SQL Commands</a:t>
             </a:r>
             <a:r>
               <a:rPr lang="en-US" dirty="0" smtClean="0">
